--- a/文档/QG汇报.pptx
+++ b/文档/QG汇报.pptx
@@ -12730,9 +12730,6 @@
               <a:ext uri="{28A0092B-C50C-407E-A947-70E740481C1C}">
                 <a14:useLocalDpi xmlns:a14="http://schemas.microsoft.com/office/drawing/2010/main" val="0"/>
               </a:ext>
-              <a:ext uri="{96DAC541-7B7A-43D3-8B79-37D633B846F1}">
-                <asvg:svgBlip xmlns:asvg="http://schemas.microsoft.com/office/drawing/2016/SVG/main" r:embed="rId2"/>
-              </a:ext>
             </a:extLst>
           </a:blip>
           <a:stretch>
@@ -13060,7 +13057,7 @@
           <p:nvPr/>
         </p:nvPicPr>
         <p:blipFill>
-          <a:blip r:embed="rId3"/>
+          <a:blip r:embed="rId2"/>
           <a:stretch>
             <a:fillRect/>
           </a:stretch>
@@ -13209,9 +13206,6 @@
               <a:ext uri="{28A0092B-C50C-407E-A947-70E740481C1C}">
                 <a14:useLocalDpi xmlns:a14="http://schemas.microsoft.com/office/drawing/2010/main" val="0"/>
               </a:ext>
-              <a:ext uri="{96DAC541-7B7A-43D3-8B79-37D633B846F1}">
-                <asvg:svgBlip xmlns:asvg="http://schemas.microsoft.com/office/drawing/2016/SVG/main" r:embed="rId2"/>
-              </a:ext>
             </a:extLst>
           </a:blip>
           <a:stretch>
@@ -13541,7 +13535,7 @@
           <p:nvPr/>
         </p:nvPicPr>
         <p:blipFill>
-          <a:blip r:embed="rId3"/>
+          <a:blip r:embed="rId2"/>
           <a:stretch>
             <a:fillRect/>
           </a:stretch>
@@ -13565,7 +13559,7 @@
           <p:nvPr/>
         </p:nvPicPr>
         <p:blipFill>
-          <a:blip r:embed="rId4"/>
+          <a:blip r:embed="rId3"/>
           <a:stretch>
             <a:fillRect/>
           </a:stretch>
@@ -13714,9 +13708,6 @@
               <a:ext uri="{28A0092B-C50C-407E-A947-70E740481C1C}">
                 <a14:useLocalDpi xmlns:a14="http://schemas.microsoft.com/office/drawing/2010/main" val="0"/>
               </a:ext>
-              <a:ext uri="{96DAC541-7B7A-43D3-8B79-37D633B846F1}">
-                <asvg:svgBlip xmlns:asvg="http://schemas.microsoft.com/office/drawing/2016/SVG/main" r:embed="rId2"/>
-              </a:ext>
             </a:extLst>
           </a:blip>
           <a:stretch>
@@ -14046,7 +14037,7 @@
           <p:nvPr/>
         </p:nvPicPr>
         <p:blipFill>
-          <a:blip r:embed="rId3"/>
+          <a:blip r:embed="rId2"/>
           <a:stretch>
             <a:fillRect/>
           </a:stretch>
@@ -14070,7 +14061,7 @@
           <p:nvPr/>
         </p:nvPicPr>
         <p:blipFill>
-          <a:blip r:embed="rId4"/>
+          <a:blip r:embed="rId3"/>
           <a:stretch>
             <a:fillRect/>
           </a:stretch>
@@ -14517,9 +14508,6 @@
               <a:ext uri="{28A0092B-C50C-407E-A947-70E740481C1C}">
                 <a14:useLocalDpi xmlns:a14="http://schemas.microsoft.com/office/drawing/2010/main" val="0"/>
               </a:ext>
-              <a:ext uri="{96DAC541-7B7A-43D3-8B79-37D633B846F1}">
-                <asvg:svgBlip xmlns:asvg="http://schemas.microsoft.com/office/drawing/2016/SVG/main" r:embed="rId2"/>
-              </a:ext>
             </a:extLst>
           </a:blip>
           <a:stretch>
@@ -14670,9 +14658,6 @@
               <a:ext uri="{28A0092B-C50C-407E-A947-70E740481C1C}">
                 <a14:useLocalDpi xmlns:a14="http://schemas.microsoft.com/office/drawing/2010/main" val="0"/>
               </a:ext>
-              <a:ext uri="{96DAC541-7B7A-43D3-8B79-37D633B846F1}">
-                <asvg:svgBlip xmlns:asvg="http://schemas.microsoft.com/office/drawing/2016/SVG/main" r:embed="rId2"/>
-              </a:ext>
             </a:extLst>
           </a:blip>
           <a:stretch>
@@ -14994,7 +14979,7 @@
           <p:nvPr/>
         </p:nvPicPr>
         <p:blipFill>
-          <a:blip r:embed="rId3"/>
+          <a:blip r:embed="rId2"/>
           <a:stretch>
             <a:fillRect/>
           </a:stretch>
@@ -15172,9 +15157,6 @@
               <a:ext uri="{28A0092B-C50C-407E-A947-70E740481C1C}">
                 <a14:useLocalDpi xmlns:a14="http://schemas.microsoft.com/office/drawing/2010/main" val="0"/>
               </a:ext>
-              <a:ext uri="{96DAC541-7B7A-43D3-8B79-37D633B846F1}">
-                <asvg:svgBlip xmlns:asvg="http://schemas.microsoft.com/office/drawing/2016/SVG/main" r:embed="rId2"/>
-              </a:ext>
             </a:extLst>
           </a:blip>
           <a:stretch>
@@ -15496,7 +15478,7 @@
           <p:nvPr/>
         </p:nvPicPr>
         <p:blipFill>
-          <a:blip r:embed="rId3"/>
+          <a:blip r:embed="rId2"/>
           <a:stretch>
             <a:fillRect/>
           </a:stretch>
@@ -15520,7 +15502,7 @@
           <p:nvPr/>
         </p:nvPicPr>
         <p:blipFill>
-          <a:blip r:embed="rId4"/>
+          <a:blip r:embed="rId3"/>
           <a:stretch>
             <a:fillRect/>
           </a:stretch>
@@ -15698,9 +15680,6 @@
               <a:ext uri="{28A0092B-C50C-407E-A947-70E740481C1C}">
                 <a14:useLocalDpi xmlns:a14="http://schemas.microsoft.com/office/drawing/2010/main" val="0"/>
               </a:ext>
-              <a:ext uri="{96DAC541-7B7A-43D3-8B79-37D633B846F1}">
-                <asvg:svgBlip xmlns:asvg="http://schemas.microsoft.com/office/drawing/2016/SVG/main" r:embed="rId2"/>
-              </a:ext>
             </a:extLst>
           </a:blip>
           <a:stretch>
@@ -16022,7 +16001,7 @@
           <p:nvPr/>
         </p:nvPicPr>
         <p:blipFill>
-          <a:blip r:embed="rId3"/>
+          <a:blip r:embed="rId2"/>
           <a:stretch>
             <a:fillRect/>
           </a:stretch>
@@ -16046,7 +16025,7 @@
           <p:nvPr/>
         </p:nvPicPr>
         <p:blipFill>
-          <a:blip r:embed="rId4"/>
+          <a:blip r:embed="rId3"/>
           <a:stretch>
             <a:fillRect/>
           </a:stretch>
@@ -16522,9 +16501,6 @@
               <a:ext uri="{28A0092B-C50C-407E-A947-70E740481C1C}">
                 <a14:useLocalDpi xmlns:a14="http://schemas.microsoft.com/office/drawing/2010/main" val="0"/>
               </a:ext>
-              <a:ext uri="{96DAC541-7B7A-43D3-8B79-37D633B846F1}">
-                <asvg:svgBlip xmlns:asvg="http://schemas.microsoft.com/office/drawing/2016/SVG/main" r:embed="rId2"/>
-              </a:ext>
             </a:extLst>
           </a:blip>
           <a:stretch>
@@ -16675,9 +16651,6 @@
               <a:ext uri="{28A0092B-C50C-407E-A947-70E740481C1C}">
                 <a14:useLocalDpi xmlns:a14="http://schemas.microsoft.com/office/drawing/2010/main" val="0"/>
               </a:ext>
-              <a:ext uri="{96DAC541-7B7A-43D3-8B79-37D633B846F1}">
-                <asvg:svgBlip xmlns:asvg="http://schemas.microsoft.com/office/drawing/2016/SVG/main" r:embed="rId2"/>
-              </a:ext>
             </a:extLst>
           </a:blip>
           <a:stretch>
@@ -17060,7 +17033,7 @@
                 <a:ea typeface="微软雅黑" panose="020B0503020204020204" pitchFamily="34" charset="-122"/>
                 <a:cs typeface="微软雅黑" panose="020B0503020204020204" pitchFamily="34" charset="-122"/>
               </a:rPr>
-              <a:t>这次最终考核的时间对于我来说较为紧张，因为训练营时期的基础不够牢固，在完成项目的时候会遇到大大小小的各种问题，时不时因为一个细节的小错误卡了许久。但是在每天遇到的挫折中，我也成功磨练了我的意志力，也提高了我在</a:t>
+              <a:t>这次最终考核的时间对于我来说较为紧张，因为训练营时期的基础不够牢固，在完成项目的时候会遇到大大小小的各种问题，时不时因为一个细节的小错误卡了许久。但是在每天遇到的挫折中，成功磨练了我的意志力，也提高了我在</a:t>
             </a:r>
             <a:r>
               <a:rPr lang="zh-CN" altLang="en-US">
@@ -17143,7 +17116,7 @@
                 <a:ea typeface="微软雅黑" panose="020B0503020204020204" pitchFamily="34" charset="-122"/>
                 <a:cs typeface="微软雅黑" panose="020B0503020204020204" pitchFamily="34" charset="-122"/>
               </a:rPr>
-              <a:t>训练营以及最终考核都对我帮助很大，我会继续后面的学习，掌握更多的知识，正确做出更好的项目。</a:t>
+              <a:t>训练营以及最终考核都对我帮助很大，我会继续后面的学习，掌握更多的知识，争取做出更好的项目。</a:t>
             </a:r>
             <a:endParaRPr lang="zh-CN" altLang="en-US">
               <a:latin typeface="微软雅黑" panose="020B0503020204020204" pitchFamily="34" charset="-122"/>

--- a/文档/QG汇报.pptx
+++ b/文档/QG汇报.pptx
@@ -16948,7 +16948,7 @@
         </p:nvSpPr>
         <p:spPr>
           <a:xfrm>
-            <a:off x="546735" y="1125855"/>
+            <a:off x="628015" y="1141730"/>
             <a:ext cx="7729220" cy="1783715"/>
           </a:xfrm>
           <a:prstGeom prst="rect">
@@ -16983,7 +16983,7 @@
                 <a:ea typeface="微软雅黑" panose="020B0503020204020204" pitchFamily="34" charset="-122"/>
                 <a:cs typeface="微软雅黑" panose="020B0503020204020204" pitchFamily="34" charset="-122"/>
               </a:rPr>
-              <a:t>通过这次训练营和考核，我学习到了多种数据结构如，栈，队列和树，不仅学习了这些具体的内容，也从中拓宽了思维。后台方面了解到了数据库操作和前后端分离的操作，对于初步了解后台的内容有很大的帮助。在完成这次最终考核的项目当中，我对项目分包，编程规范有了更深刻的认识，通过实践操作，纠正了我之前写代码注释少，代码杂乱，的问题。对前端elementui以及vue的使用也更加熟练。</a:t>
+              <a:t>通过这次训练营和考核，我学习到了多种数据结构如，栈，队列和树，不仅学习了这些具体的内容，也从中拓宽了思维。后台方面了解到了数据库操作和前后端分离的操作，对于初步了解关于后台开发的内容有很大的帮助。在完成这次最终考核的项目当中，我对项目分包，编程规范有了更深刻的认识，通过实践操作，纠正了我之前写代码注释少，代码杂乱等的问题。对前端elementui以及vue的使用也更加熟练。</a:t>
             </a:r>
             <a:endParaRPr lang="zh-CN" altLang="en-US">
               <a:latin typeface="微软雅黑" panose="020B0503020204020204" pitchFamily="34" charset="-122"/>
@@ -19198,7 +19198,7 @@
         </p:nvSpPr>
         <p:spPr>
           <a:xfrm>
-            <a:off x="1425004" y="509861"/>
+            <a:off x="1414844" y="266021"/>
             <a:ext cx="2656459" cy="460375"/>
           </a:xfrm>
           <a:prstGeom prst="rect">
@@ -19277,7 +19277,7 @@
         </p:nvSpPr>
         <p:spPr>
           <a:xfrm>
-            <a:off x="968457" y="577043"/>
+            <a:off x="958297" y="332568"/>
             <a:ext cx="327299" cy="327299"/>
           </a:xfrm>
           <a:prstGeom prst="ellipse">
@@ -19506,7 +19506,7 @@
         </p:nvSpPr>
         <p:spPr>
           <a:xfrm>
-            <a:off x="389255" y="1229360"/>
+            <a:off x="338455" y="902335"/>
             <a:ext cx="7437120" cy="1353185"/>
           </a:xfrm>
           <a:prstGeom prst="rect">
@@ -19545,13 +19545,7 @@
               <a:rPr lang="zh-CN" sz="2000" b="0">
                 <a:ea typeface="宋体" panose="02010600030101010101" pitchFamily="2" charset="-122"/>
               </a:rPr>
-              <a:t>QG资金管理系统 该项目为开发一个资金管理系统，以满足用户对流动资金的管理，旨在提供一个安全高效，功能丰富的 资金管理系统</a:t>
-            </a:r>
-            <a:r>
-              <a:rPr lang="zh-CN" sz="1200" b="0">
-                <a:ea typeface="宋体" panose="02010600030101010101" pitchFamily="2" charset="-122"/>
-              </a:rPr>
-              <a:t>。</a:t>
+              <a:t>QG资金管理系统 该项目为开发一个资金管理系统，以满足用户对流动资金的管理，旨在提供一个安全高效，功能丰富的 资金管理系统。</a:t>
             </a:r>
             <a:endParaRPr lang="zh-CN" altLang="en-US"/>
           </a:p>
